--- a/livefile/private.pptx
+++ b/livefile/private.pptx
@@ -104,6 +104,11 @@
       </a:defRPr>
     </a:lvl9pPr>
   </p:defaultTextStyle>
+  <p:extLst>
+    <p:ext uri="{EFAFB233-063F-42B5-8137-9DF3F51BA10A}">
+      <p15:sldGuideLst xmlns:p15="http://schemas.microsoft.com/office/powerpoint/2012/main"/>
+    </p:ext>
+  </p:extLst>
 </p:presentation>
 </file>
 
@@ -254,7 +259,7 @@
           <a:p>
             <a:fld id="{C49CB9E9-1FFF-43AE-B9AA-B9ACFCA8E909}" type="datetimeFigureOut">
               <a:rPr lang="zh-CN" altLang="en-US" smtClean="0"/>
-              <a:t>2024/5/4</a:t>
+              <a:t>2024/5/17</a:t>
             </a:fld>
             <a:endParaRPr lang="zh-CN" altLang="en-US"/>
           </a:p>
@@ -452,7 +457,7 @@
           <a:p>
             <a:fld id="{C49CB9E9-1FFF-43AE-B9AA-B9ACFCA8E909}" type="datetimeFigureOut">
               <a:rPr lang="zh-CN" altLang="en-US" smtClean="0"/>
-              <a:t>2024/5/4</a:t>
+              <a:t>2024/5/17</a:t>
             </a:fld>
             <a:endParaRPr lang="zh-CN" altLang="en-US"/>
           </a:p>
@@ -660,7 +665,7 @@
           <a:p>
             <a:fld id="{C49CB9E9-1FFF-43AE-B9AA-B9ACFCA8E909}" type="datetimeFigureOut">
               <a:rPr lang="zh-CN" altLang="en-US" smtClean="0"/>
-              <a:t>2024/5/4</a:t>
+              <a:t>2024/5/17</a:t>
             </a:fld>
             <a:endParaRPr lang="zh-CN" altLang="en-US"/>
           </a:p>
@@ -858,7 +863,7 @@
           <a:p>
             <a:fld id="{C49CB9E9-1FFF-43AE-B9AA-B9ACFCA8E909}" type="datetimeFigureOut">
               <a:rPr lang="zh-CN" altLang="en-US" smtClean="0"/>
-              <a:t>2024/5/4</a:t>
+              <a:t>2024/5/17</a:t>
             </a:fld>
             <a:endParaRPr lang="zh-CN" altLang="en-US"/>
           </a:p>
@@ -1133,7 +1138,7 @@
           <a:p>
             <a:fld id="{C49CB9E9-1FFF-43AE-B9AA-B9ACFCA8E909}" type="datetimeFigureOut">
               <a:rPr lang="zh-CN" altLang="en-US" smtClean="0"/>
-              <a:t>2024/5/4</a:t>
+              <a:t>2024/5/17</a:t>
             </a:fld>
             <a:endParaRPr lang="zh-CN" altLang="en-US"/>
           </a:p>
@@ -1398,7 +1403,7 @@
           <a:p>
             <a:fld id="{C49CB9E9-1FFF-43AE-B9AA-B9ACFCA8E909}" type="datetimeFigureOut">
               <a:rPr lang="zh-CN" altLang="en-US" smtClean="0"/>
-              <a:t>2024/5/4</a:t>
+              <a:t>2024/5/17</a:t>
             </a:fld>
             <a:endParaRPr lang="zh-CN" altLang="en-US"/>
           </a:p>
@@ -1810,7 +1815,7 @@
           <a:p>
             <a:fld id="{C49CB9E9-1FFF-43AE-B9AA-B9ACFCA8E909}" type="datetimeFigureOut">
               <a:rPr lang="zh-CN" altLang="en-US" smtClean="0"/>
-              <a:t>2024/5/4</a:t>
+              <a:t>2024/5/17</a:t>
             </a:fld>
             <a:endParaRPr lang="zh-CN" altLang="en-US"/>
           </a:p>
@@ -1951,7 +1956,7 @@
           <a:p>
             <a:fld id="{C49CB9E9-1FFF-43AE-B9AA-B9ACFCA8E909}" type="datetimeFigureOut">
               <a:rPr lang="zh-CN" altLang="en-US" smtClean="0"/>
-              <a:t>2024/5/4</a:t>
+              <a:t>2024/5/17</a:t>
             </a:fld>
             <a:endParaRPr lang="zh-CN" altLang="en-US"/>
           </a:p>
@@ -2064,7 +2069,7 @@
           <a:p>
             <a:fld id="{C49CB9E9-1FFF-43AE-B9AA-B9ACFCA8E909}" type="datetimeFigureOut">
               <a:rPr lang="zh-CN" altLang="en-US" smtClean="0"/>
-              <a:t>2024/5/4</a:t>
+              <a:t>2024/5/17</a:t>
             </a:fld>
             <a:endParaRPr lang="zh-CN" altLang="en-US"/>
           </a:p>
@@ -2375,7 +2380,7 @@
           <a:p>
             <a:fld id="{C49CB9E9-1FFF-43AE-B9AA-B9ACFCA8E909}" type="datetimeFigureOut">
               <a:rPr lang="zh-CN" altLang="en-US" smtClean="0"/>
-              <a:t>2024/5/4</a:t>
+              <a:t>2024/5/17</a:t>
             </a:fld>
             <a:endParaRPr lang="zh-CN" altLang="en-US"/>
           </a:p>
@@ -2663,7 +2668,7 @@
           <a:p>
             <a:fld id="{C49CB9E9-1FFF-43AE-B9AA-B9ACFCA8E909}" type="datetimeFigureOut">
               <a:rPr lang="zh-CN" altLang="en-US" smtClean="0"/>
-              <a:t>2024/5/4</a:t>
+              <a:t>2024/5/17</a:t>
             </a:fld>
             <a:endParaRPr lang="zh-CN" altLang="en-US"/>
           </a:p>
@@ -2904,7 +2909,7 @@
           <a:p>
             <a:fld id="{C49CB9E9-1FFF-43AE-B9AA-B9ACFCA8E909}" type="datetimeFigureOut">
               <a:rPr lang="zh-CN" altLang="en-US" smtClean="0"/>
-              <a:t>2024/5/4</a:t>
+              <a:t>2024/5/17</a:t>
             </a:fld>
             <a:endParaRPr lang="zh-CN" altLang="en-US"/>
           </a:p>
@@ -3390,6 +3395,293 @@
               <a:rPr lang="zh-CN" altLang="en-US" dirty="0"/>
               <a:t>中文</a:t>
             </a:r>
+          </a:p>
+        </p:txBody>
+      </p:sp>
+      <p:sp>
+        <p:nvSpPr>
+          <p:cNvPr id="3" name="文本框 2">
+            <a:hlinkClick r:id="rId4"/>
+            <a:extLst>
+              <a:ext uri="{FF2B5EF4-FFF2-40B4-BE49-F238E27FC236}">
+                <a16:creationId xmlns:a16="http://schemas.microsoft.com/office/drawing/2014/main" id="{937BAFEC-1D2B-77DC-4040-5E436533CC5A}"/>
+              </a:ext>
+            </a:extLst>
+          </p:cNvPr>
+          <p:cNvSpPr txBox="1"/>
+          <p:nvPr/>
+        </p:nvSpPr>
+        <p:spPr>
+          <a:xfrm>
+            <a:off x="7719247" y="1572323"/>
+            <a:ext cx="1325362" cy="369332"/>
+          </a:xfrm>
+          <a:prstGeom prst="rect">
+            <a:avLst/>
+          </a:prstGeom>
+          <a:noFill/>
+        </p:spPr>
+        <p:txBody>
+          <a:bodyPr wrap="square" rtlCol="0">
+            <a:spAutoFit/>
+          </a:bodyPr>
+          <a:lstStyle/>
+          <a:p>
+            <a:r>
+              <a:rPr lang="zh-CN" altLang="en-US" dirty="0"/>
+              <a:t>诸神皇冠</a:t>
+            </a:r>
+            <a:r>
+              <a:rPr lang="en-US" altLang="zh-CN" dirty="0"/>
+              <a:t>1</a:t>
+            </a:r>
+            <a:endParaRPr lang="zh-CN" altLang="en-US" dirty="0"/>
+          </a:p>
+        </p:txBody>
+      </p:sp>
+      <p:sp>
+        <p:nvSpPr>
+          <p:cNvPr id="6" name="文本框 5">
+            <a:hlinkClick r:id="rId5"/>
+            <a:extLst>
+              <a:ext uri="{FF2B5EF4-FFF2-40B4-BE49-F238E27FC236}">
+                <a16:creationId xmlns:a16="http://schemas.microsoft.com/office/drawing/2014/main" id="{E50E7E6B-0ED0-C05A-B2C9-1F2002E8277A}"/>
+              </a:ext>
+            </a:extLst>
+          </p:cNvPr>
+          <p:cNvSpPr txBox="1"/>
+          <p:nvPr/>
+        </p:nvSpPr>
+        <p:spPr>
+          <a:xfrm>
+            <a:off x="7719247" y="2101334"/>
+            <a:ext cx="1325362" cy="369332"/>
+          </a:xfrm>
+          <a:prstGeom prst="rect">
+            <a:avLst/>
+          </a:prstGeom>
+          <a:noFill/>
+        </p:spPr>
+        <p:txBody>
+          <a:bodyPr wrap="square" rtlCol="0">
+            <a:spAutoFit/>
+          </a:bodyPr>
+          <a:lstStyle/>
+          <a:p>
+            <a:r>
+              <a:rPr lang="zh-CN" altLang="en-US" dirty="0"/>
+              <a:t>诸神皇冠</a:t>
+            </a:r>
+            <a:r>
+              <a:rPr lang="en-US" altLang="zh-CN" dirty="0"/>
+              <a:t>2</a:t>
+            </a:r>
+            <a:endParaRPr lang="zh-CN" altLang="en-US" dirty="0"/>
+          </a:p>
+        </p:txBody>
+      </p:sp>
+      <p:sp>
+        <p:nvSpPr>
+          <p:cNvPr id="7" name="文本框 6">
+            <a:hlinkClick r:id="rId6"/>
+            <a:extLst>
+              <a:ext uri="{FF2B5EF4-FFF2-40B4-BE49-F238E27FC236}">
+                <a16:creationId xmlns:a16="http://schemas.microsoft.com/office/drawing/2014/main" id="{9719A43B-0061-710D-C52E-37C37AF6D359}"/>
+              </a:ext>
+            </a:extLst>
+          </p:cNvPr>
+          <p:cNvSpPr txBox="1"/>
+          <p:nvPr/>
+        </p:nvSpPr>
+        <p:spPr>
+          <a:xfrm>
+            <a:off x="7719247" y="2655332"/>
+            <a:ext cx="1325362" cy="369332"/>
+          </a:xfrm>
+          <a:prstGeom prst="rect">
+            <a:avLst/>
+          </a:prstGeom>
+          <a:noFill/>
+        </p:spPr>
+        <p:txBody>
+          <a:bodyPr wrap="square" rtlCol="0">
+            <a:spAutoFit/>
+          </a:bodyPr>
+          <a:lstStyle/>
+          <a:p>
+            <a:r>
+              <a:rPr lang="zh-CN" altLang="en-US" dirty="0"/>
+              <a:t>诸神皇冠</a:t>
+            </a:r>
+            <a:r>
+              <a:rPr lang="en-US" altLang="zh-CN" dirty="0"/>
+              <a:t>3</a:t>
+            </a:r>
+            <a:endParaRPr lang="zh-CN" altLang="en-US" dirty="0"/>
+          </a:p>
+        </p:txBody>
+      </p:sp>
+      <p:sp>
+        <p:nvSpPr>
+          <p:cNvPr id="8" name="文本框 7">
+            <a:hlinkClick r:id="rId7"/>
+            <a:extLst>
+              <a:ext uri="{FF2B5EF4-FFF2-40B4-BE49-F238E27FC236}">
+                <a16:creationId xmlns:a16="http://schemas.microsoft.com/office/drawing/2014/main" id="{6BECD88C-1AC1-4F4E-C328-D19570A236F3}"/>
+              </a:ext>
+            </a:extLst>
+          </p:cNvPr>
+          <p:cNvSpPr txBox="1"/>
+          <p:nvPr/>
+        </p:nvSpPr>
+        <p:spPr>
+          <a:xfrm>
+            <a:off x="7719247" y="3244334"/>
+            <a:ext cx="1325362" cy="369332"/>
+          </a:xfrm>
+          <a:prstGeom prst="rect">
+            <a:avLst/>
+          </a:prstGeom>
+          <a:noFill/>
+        </p:spPr>
+        <p:txBody>
+          <a:bodyPr wrap="square" rtlCol="0">
+            <a:spAutoFit/>
+          </a:bodyPr>
+          <a:lstStyle/>
+          <a:p>
+            <a:r>
+              <a:rPr lang="zh-CN" altLang="en-US" dirty="0"/>
+              <a:t>诸神皇冠</a:t>
+            </a:r>
+            <a:r>
+              <a:rPr lang="en-US" altLang="zh-CN" dirty="0"/>
+              <a:t>4</a:t>
+            </a:r>
+            <a:endParaRPr lang="zh-CN" altLang="en-US" dirty="0"/>
+          </a:p>
+        </p:txBody>
+      </p:sp>
+      <p:sp>
+        <p:nvSpPr>
+          <p:cNvPr id="9" name="文本框 8">
+            <a:hlinkClick r:id="rId8"/>
+            <a:extLst>
+              <a:ext uri="{FF2B5EF4-FFF2-40B4-BE49-F238E27FC236}">
+                <a16:creationId xmlns:a16="http://schemas.microsoft.com/office/drawing/2014/main" id="{B5226819-A3A5-151F-1A2B-A142E3813496}"/>
+              </a:ext>
+            </a:extLst>
+          </p:cNvPr>
+          <p:cNvSpPr txBox="1"/>
+          <p:nvPr/>
+        </p:nvSpPr>
+        <p:spPr>
+          <a:xfrm>
+            <a:off x="7719247" y="3833336"/>
+            <a:ext cx="1325362" cy="369332"/>
+          </a:xfrm>
+          <a:prstGeom prst="rect">
+            <a:avLst/>
+          </a:prstGeom>
+          <a:noFill/>
+        </p:spPr>
+        <p:txBody>
+          <a:bodyPr wrap="square" rtlCol="0">
+            <a:spAutoFit/>
+          </a:bodyPr>
+          <a:lstStyle/>
+          <a:p>
+            <a:r>
+              <a:rPr lang="zh-CN" altLang="en-US" dirty="0"/>
+              <a:t>诸神皇冠</a:t>
+            </a:r>
+            <a:r>
+              <a:rPr lang="en-US" altLang="zh-CN" dirty="0"/>
+              <a:t>5</a:t>
+            </a:r>
+            <a:endParaRPr lang="zh-CN" altLang="en-US" dirty="0"/>
+          </a:p>
+        </p:txBody>
+      </p:sp>
+      <p:sp>
+        <p:nvSpPr>
+          <p:cNvPr id="2" name="文本框 1">
+            <a:hlinkClick r:id="rId8"/>
+            <a:extLst>
+              <a:ext uri="{FF2B5EF4-FFF2-40B4-BE49-F238E27FC236}">
+                <a16:creationId xmlns:a16="http://schemas.microsoft.com/office/drawing/2014/main" id="{91A92606-A4C3-0F50-B3B6-53CEB585DC84}"/>
+              </a:ext>
+            </a:extLst>
+          </p:cNvPr>
+          <p:cNvSpPr txBox="1"/>
+          <p:nvPr/>
+        </p:nvSpPr>
+        <p:spPr>
+          <a:xfrm>
+            <a:off x="7719247" y="4422338"/>
+            <a:ext cx="1325362" cy="369332"/>
+          </a:xfrm>
+          <a:prstGeom prst="rect">
+            <a:avLst/>
+          </a:prstGeom>
+          <a:noFill/>
+        </p:spPr>
+        <p:txBody>
+          <a:bodyPr wrap="square" rtlCol="0">
+            <a:spAutoFit/>
+          </a:bodyPr>
+          <a:lstStyle/>
+          <a:p>
+            <a:r>
+              <a:rPr lang="zh-CN" altLang="en-US" dirty="0"/>
+              <a:t>诸神皇冠</a:t>
+            </a:r>
+            <a:r>
+              <a:rPr lang="en-US" altLang="zh-CN" dirty="0"/>
+              <a:t>6</a:t>
+            </a:r>
+            <a:endParaRPr lang="zh-CN" altLang="en-US" dirty="0"/>
+          </a:p>
+        </p:txBody>
+      </p:sp>
+      <p:sp>
+        <p:nvSpPr>
+          <p:cNvPr id="11" name="文本框 10">
+            <a:hlinkClick r:id="rId9"/>
+            <a:extLst>
+              <a:ext uri="{FF2B5EF4-FFF2-40B4-BE49-F238E27FC236}">
+                <a16:creationId xmlns:a16="http://schemas.microsoft.com/office/drawing/2014/main" id="{5EE14401-08DB-8C46-EEBC-9CA73E778A7B}"/>
+              </a:ext>
+            </a:extLst>
+          </p:cNvPr>
+          <p:cNvSpPr txBox="1"/>
+          <p:nvPr/>
+        </p:nvSpPr>
+        <p:spPr>
+          <a:xfrm>
+            <a:off x="7719247" y="5011340"/>
+            <a:ext cx="1325362" cy="369332"/>
+          </a:xfrm>
+          <a:prstGeom prst="rect">
+            <a:avLst/>
+          </a:prstGeom>
+          <a:noFill/>
+        </p:spPr>
+        <p:txBody>
+          <a:bodyPr wrap="square" rtlCol="0">
+            <a:spAutoFit/>
+          </a:bodyPr>
+          <a:lstStyle/>
+          <a:p>
+            <a:r>
+              <a:rPr lang="zh-CN" altLang="en-US" dirty="0"/>
+              <a:t>诸神皇冠</a:t>
+            </a:r>
+            <a:r>
+              <a:rPr lang="en-US" altLang="zh-CN" dirty="0"/>
+              <a:t>7</a:t>
+            </a:r>
+            <a:endParaRPr lang="zh-CN" altLang="en-US" dirty="0"/>
           </a:p>
         </p:txBody>
       </p:sp>
